--- a/presentation.pptx
+++ b/presentation.pptx
@@ -12,16 +12,14 @@
     <p:sldId id="267" r:id="rId6"/>
     <p:sldId id="268" r:id="rId7"/>
     <p:sldId id="269" r:id="rId8"/>
-    <p:sldId id="270" r:id="rId9"/>
-    <p:sldId id="279" r:id="rId10"/>
-    <p:sldId id="272" r:id="rId11"/>
-    <p:sldId id="273" r:id="rId12"/>
-    <p:sldId id="274" r:id="rId13"/>
-    <p:sldId id="275" r:id="rId14"/>
-    <p:sldId id="277" r:id="rId15"/>
-    <p:sldId id="276" r:id="rId16"/>
-    <p:sldId id="280" r:id="rId17"/>
-    <p:sldId id="278" r:id="rId18"/>
+    <p:sldId id="279" r:id="rId9"/>
+    <p:sldId id="272" r:id="rId10"/>
+    <p:sldId id="273" r:id="rId11"/>
+    <p:sldId id="274" r:id="rId12"/>
+    <p:sldId id="275" r:id="rId13"/>
+    <p:sldId id="277" r:id="rId14"/>
+    <p:sldId id="276" r:id="rId15"/>
+    <p:sldId id="278" r:id="rId16"/>
   </p:sldIdLst>
   <p:sldSz cx="12192000" cy="6858000"/>
   <p:notesSz cx="6858000" cy="9144000"/>
@@ -4002,165 +4000,6 @@
         <p:spPr>
           <a:xfrm>
             <a:off x="486889" y="700644"/>
-            <a:ext cx="8172109" cy="707886"/>
-          </a:xfrm>
-          <a:prstGeom prst="rect">
-            <a:avLst/>
-          </a:prstGeom>
-          <a:noFill/>
-        </p:spPr>
-        <p:txBody>
-          <a:bodyPr wrap="none" rtlCol="0">
-            <a:spAutoFit/>
-          </a:bodyPr>
-          <a:lstStyle/>
-          <a:p>
-            <a:r>
-              <a:rPr kumimoji="1" lang="en-US" altLang="zh-TW" sz="4000" dirty="0">
-                <a:latin typeface="PT Sans" panose="020B0503020203020204" pitchFamily="34" charset="0"/>
-              </a:rPr>
-              <a:t>Access Control Scheme - Advantages</a:t>
-            </a:r>
-            <a:endParaRPr kumimoji="1" lang="zh-TW" altLang="en-US" sz="4000" dirty="0">
-              <a:latin typeface="PT Sans" panose="020B0503020203020204" pitchFamily="34" charset="0"/>
-            </a:endParaRPr>
-          </a:p>
-        </p:txBody>
-      </p:sp>
-      <p:sp>
-        <p:nvSpPr>
-          <p:cNvPr id="4" name="文字方塊 3">
-            <a:extLst>
-              <a:ext uri="{FF2B5EF4-FFF2-40B4-BE49-F238E27FC236}">
-                <a16:creationId xmlns:a16="http://schemas.microsoft.com/office/drawing/2014/main" id="{2C0B2C38-B9E5-954E-89F6-819B37D8FE80}"/>
-              </a:ext>
-            </a:extLst>
-          </p:cNvPr>
-          <p:cNvSpPr txBox="1"/>
-          <p:nvPr/>
-        </p:nvSpPr>
-        <p:spPr>
-          <a:xfrm>
-            <a:off x="912421" y="1793174"/>
-            <a:ext cx="10367158" cy="3913059"/>
-          </a:xfrm>
-          <a:prstGeom prst="rect">
-            <a:avLst/>
-          </a:prstGeom>
-          <a:noFill/>
-        </p:spPr>
-        <p:txBody>
-          <a:bodyPr wrap="square" rtlCol="0">
-            <a:spAutoFit/>
-          </a:bodyPr>
-          <a:lstStyle/>
-          <a:p>
-            <a:pPr marL="285750" indent="-285750">
-              <a:lnSpc>
-                <a:spcPct val="150000"/>
-              </a:lnSpc>
-              <a:buFont typeface="Arial" panose="020B0604020202020204" pitchFamily="34" charset="0"/>
-              <a:buChar char="•"/>
-            </a:pPr>
-            <a:r>
-              <a:rPr kumimoji="1" lang="en" altLang="zh-TW" sz="2400" dirty="0"/>
-              <a:t>Persistent attack is harder</a:t>
-            </a:r>
-          </a:p>
-          <a:p>
-            <a:pPr marL="742950" lvl="1" indent="-285750">
-              <a:lnSpc>
-                <a:spcPct val="150000"/>
-              </a:lnSpc>
-              <a:buFont typeface="Arial" panose="020B0604020202020204" pitchFamily="34" charset="0"/>
-              <a:buChar char="•"/>
-            </a:pPr>
-            <a:r>
-              <a:rPr kumimoji="1" lang="en" altLang="zh-TW" sz="2400" dirty="0"/>
-              <a:t>Tokens expire after a period of time</a:t>
-            </a:r>
-            <a:br>
-              <a:rPr kumimoji="1" lang="en" altLang="zh-TW" sz="2400" dirty="0"/>
-            </a:br>
-            <a:endParaRPr kumimoji="1" lang="en" altLang="zh-TW" sz="2400" dirty="0"/>
-          </a:p>
-          <a:p>
-            <a:pPr marL="285750" indent="-285750">
-              <a:lnSpc>
-                <a:spcPct val="150000"/>
-              </a:lnSpc>
-              <a:buFont typeface="Arial" panose="020B0604020202020204" pitchFamily="34" charset="0"/>
-              <a:buChar char="•"/>
-            </a:pPr>
-            <a:r>
-              <a:rPr kumimoji="1" lang="en" altLang="zh-TW" sz="2400" dirty="0"/>
-              <a:t>Incidents are more accountable</a:t>
-            </a:r>
-            <a:br>
-              <a:rPr kumimoji="1" lang="en" altLang="zh-TW" sz="2400" dirty="0"/>
-            </a:br>
-            <a:endParaRPr kumimoji="1" lang="en" altLang="zh-TW" sz="2400" dirty="0"/>
-          </a:p>
-          <a:p>
-            <a:pPr marL="285750" indent="-285750">
-              <a:lnSpc>
-                <a:spcPct val="150000"/>
-              </a:lnSpc>
-              <a:buFont typeface="Arial" panose="020B0604020202020204" pitchFamily="34" charset="0"/>
-              <a:buChar char="•"/>
-            </a:pPr>
-            <a:r>
-              <a:rPr kumimoji="1" lang="en" altLang="zh-TW" sz="2400" dirty="0"/>
-              <a:t>No delays, since users can request their new tokens prior to the token refresh time </a:t>
-            </a:r>
-          </a:p>
-        </p:txBody>
-      </p:sp>
-    </p:spTree>
-    <p:extLst>
-      <p:ext uri="{BB962C8B-B14F-4D97-AF65-F5344CB8AC3E}">
-        <p14:creationId xmlns:p14="http://schemas.microsoft.com/office/powerpoint/2010/main" val="2975106708"/>
-      </p:ext>
-    </p:extLst>
-  </p:cSld>
-  <p:clrMapOvr>
-    <a:masterClrMapping/>
-  </p:clrMapOvr>
-</p:sld>
-</file>
-
-<file path=ppt/slides/slide11.xml><?xml version="1.0" encoding="utf-8"?>
-<p:sld xmlns:a="http://schemas.openxmlformats.org/drawingml/2006/main" xmlns:r="http://schemas.openxmlformats.org/officeDocument/2006/relationships" xmlns:p="http://schemas.openxmlformats.org/presentationml/2006/main">
-  <p:cSld>
-    <p:spTree>
-      <p:nvGrpSpPr>
-        <p:cNvPr id="1" name=""/>
-        <p:cNvGrpSpPr/>
-        <p:nvPr/>
-      </p:nvGrpSpPr>
-      <p:grpSpPr>
-        <a:xfrm>
-          <a:off x="0" y="0"/>
-          <a:ext cx="0" cy="0"/>
-          <a:chOff x="0" y="0"/>
-          <a:chExt cx="0" cy="0"/>
-        </a:xfrm>
-      </p:grpSpPr>
-      <p:sp>
-        <p:nvSpPr>
-          <p:cNvPr id="2" name="文字方塊 1">
-            <a:extLst>
-              <a:ext uri="{FF2B5EF4-FFF2-40B4-BE49-F238E27FC236}">
-                <a16:creationId xmlns:a16="http://schemas.microsoft.com/office/drawing/2014/main" id="{C370794C-F6CE-2647-B059-035111CA3FA2}"/>
-              </a:ext>
-            </a:extLst>
-          </p:cNvPr>
-          <p:cNvSpPr txBox="1"/>
-          <p:nvPr/>
-        </p:nvSpPr>
-        <p:spPr>
-          <a:xfrm>
-            <a:off x="486889" y="700644"/>
             <a:ext cx="7712048" cy="707886"/>
           </a:xfrm>
           <a:prstGeom prst="rect">
@@ -4301,7 +4140,7 @@
 </p:sld>
 </file>
 
-<file path=ppt/slides/slide12.xml><?xml version="1.0" encoding="utf-8"?>
+<file path=ppt/slides/slide11.xml><?xml version="1.0" encoding="utf-8"?>
 <p:sld xmlns:a="http://schemas.openxmlformats.org/drawingml/2006/main" xmlns:r="http://schemas.openxmlformats.org/officeDocument/2006/relationships" xmlns:p="http://schemas.openxmlformats.org/presentationml/2006/main">
   <p:cSld>
     <p:spTree>
@@ -4412,6 +4251,184 @@
 </p:sld>
 </file>
 
+<file path=ppt/slides/slide12.xml><?xml version="1.0" encoding="utf-8"?>
+<p:sld xmlns:a="http://schemas.openxmlformats.org/drawingml/2006/main" xmlns:r="http://schemas.openxmlformats.org/officeDocument/2006/relationships" xmlns:p="http://schemas.openxmlformats.org/presentationml/2006/main">
+  <p:cSld>
+    <p:spTree>
+      <p:nvGrpSpPr>
+        <p:cNvPr id="1" name=""/>
+        <p:cNvGrpSpPr/>
+        <p:nvPr/>
+      </p:nvGrpSpPr>
+      <p:grpSpPr>
+        <a:xfrm>
+          <a:off x="0" y="0"/>
+          <a:ext cx="0" cy="0"/>
+          <a:chOff x="0" y="0"/>
+          <a:chExt cx="0" cy="0"/>
+        </a:xfrm>
+      </p:grpSpPr>
+      <p:sp>
+        <p:nvSpPr>
+          <p:cNvPr id="2" name="文字方塊 1">
+            <a:extLst>
+              <a:ext uri="{FF2B5EF4-FFF2-40B4-BE49-F238E27FC236}">
+                <a16:creationId xmlns:a16="http://schemas.microsoft.com/office/drawing/2014/main" id="{C370794C-F6CE-2647-B059-035111CA3FA2}"/>
+              </a:ext>
+            </a:extLst>
+          </p:cNvPr>
+          <p:cNvSpPr txBox="1"/>
+          <p:nvPr/>
+        </p:nvSpPr>
+        <p:spPr>
+          <a:xfrm>
+            <a:off x="486889" y="700644"/>
+            <a:ext cx="5279009" cy="707886"/>
+          </a:xfrm>
+          <a:prstGeom prst="rect">
+            <a:avLst/>
+          </a:prstGeom>
+          <a:noFill/>
+        </p:spPr>
+        <p:txBody>
+          <a:bodyPr wrap="none" rtlCol="0">
+            <a:spAutoFit/>
+          </a:bodyPr>
+          <a:lstStyle/>
+          <a:p>
+            <a:r>
+              <a:rPr kumimoji="1" lang="en-US" altLang="zh-TW" sz="4000" dirty="0">
+                <a:latin typeface="PT Sans" panose="020B0503020203020204" pitchFamily="34" charset="0"/>
+              </a:rPr>
+              <a:t>Authentication Scheme</a:t>
+            </a:r>
+            <a:endParaRPr kumimoji="1" lang="zh-TW" altLang="en-US" sz="4000" dirty="0">
+              <a:latin typeface="PT Sans" panose="020B0503020203020204" pitchFamily="34" charset="0"/>
+            </a:endParaRPr>
+          </a:p>
+        </p:txBody>
+      </p:sp>
+      <p:sp>
+        <p:nvSpPr>
+          <p:cNvPr id="4" name="文字方塊 3">
+            <a:extLst>
+              <a:ext uri="{FF2B5EF4-FFF2-40B4-BE49-F238E27FC236}">
+                <a16:creationId xmlns:a16="http://schemas.microsoft.com/office/drawing/2014/main" id="{2C0B2C38-B9E5-954E-89F6-819B37D8FE80}"/>
+              </a:ext>
+            </a:extLst>
+          </p:cNvPr>
+          <p:cNvSpPr txBox="1"/>
+          <p:nvPr/>
+        </p:nvSpPr>
+        <p:spPr>
+          <a:xfrm>
+            <a:off x="912420" y="1793174"/>
+            <a:ext cx="10416639" cy="3913059"/>
+          </a:xfrm>
+          <a:prstGeom prst="rect">
+            <a:avLst/>
+          </a:prstGeom>
+          <a:noFill/>
+        </p:spPr>
+        <p:txBody>
+          <a:bodyPr wrap="square" rtlCol="0">
+            <a:spAutoFit/>
+          </a:bodyPr>
+          <a:lstStyle/>
+          <a:p>
+            <a:pPr marL="285750" indent="-285750">
+              <a:lnSpc>
+                <a:spcPct val="150000"/>
+              </a:lnSpc>
+              <a:buFont typeface="Arial" panose="020B0604020202020204" pitchFamily="34" charset="0"/>
+              <a:buChar char="•"/>
+            </a:pPr>
+            <a:r>
+              <a:rPr kumimoji="1" lang="en-US" altLang="zh-TW" sz="2400" dirty="0"/>
+              <a:t>We use MAC for authentication</a:t>
+            </a:r>
+          </a:p>
+          <a:p>
+            <a:pPr marL="742950" lvl="1" indent="-285750">
+              <a:lnSpc>
+                <a:spcPct val="150000"/>
+              </a:lnSpc>
+              <a:buFont typeface="Arial" panose="020B0604020202020204" pitchFamily="34" charset="0"/>
+              <a:buChar char="•"/>
+            </a:pPr>
+            <a:r>
+              <a:rPr kumimoji="1" lang="en-US" altLang="zh-TW" sz="2400" dirty="0"/>
+              <a:t>The secret key can be pre-installed</a:t>
+            </a:r>
+          </a:p>
+          <a:p>
+            <a:pPr marL="742950" lvl="1" indent="-285750">
+              <a:lnSpc>
+                <a:spcPct val="150000"/>
+              </a:lnSpc>
+              <a:buFont typeface="Arial" panose="020B0604020202020204" pitchFamily="34" charset="0"/>
+              <a:buChar char="•"/>
+            </a:pPr>
+            <a:r>
+              <a:rPr kumimoji="1" lang="en-US" altLang="zh-TW" sz="2400" dirty="0"/>
+              <a:t>Only a single hash calculation is needed, very efficient</a:t>
+            </a:r>
+          </a:p>
+          <a:p>
+            <a:pPr marL="285750" indent="-285750">
+              <a:lnSpc>
+                <a:spcPct val="150000"/>
+              </a:lnSpc>
+              <a:buFont typeface="Arial" panose="020B0604020202020204" pitchFamily="34" charset="0"/>
+              <a:buChar char="•"/>
+            </a:pPr>
+            <a:r>
+              <a:rPr kumimoji="1" lang="en-US" altLang="zh-TW" sz="2400" dirty="0"/>
+              <a:t>Attacker cannot forge commands without secret key</a:t>
+            </a:r>
+          </a:p>
+          <a:p>
+            <a:pPr marL="742950" lvl="1" indent="-285750">
+              <a:lnSpc>
+                <a:spcPct val="150000"/>
+              </a:lnSpc>
+              <a:buFont typeface="Arial" panose="020B0604020202020204" pitchFamily="34" charset="0"/>
+              <a:buChar char="•"/>
+            </a:pPr>
+            <a:r>
+              <a:rPr kumimoji="1" lang="en-US" altLang="zh-TW" sz="2400" dirty="0"/>
+              <a:t>Timestamp should be included and checked in payload to avoid replay attack</a:t>
+            </a:r>
+          </a:p>
+          <a:p>
+            <a:pPr marL="285750" indent="-285750">
+              <a:lnSpc>
+                <a:spcPct val="150000"/>
+              </a:lnSpc>
+              <a:buFont typeface="Arial" panose="020B0604020202020204" pitchFamily="34" charset="0"/>
+              <a:buChar char="•"/>
+            </a:pPr>
+            <a:r>
+              <a:rPr kumimoji="1" lang="en-US" altLang="zh-TW" sz="2400" dirty="0"/>
+              <a:t>Unlike decryption, MAC verification can be delayed and separately handled, payload can be immediately forwarded to preserve availability</a:t>
+            </a:r>
+            <a:endParaRPr kumimoji="1" lang="en" altLang="zh-TW" sz="2400" dirty="0"/>
+          </a:p>
+        </p:txBody>
+      </p:sp>
+    </p:spTree>
+    <p:extLst>
+      <p:ext uri="{BB962C8B-B14F-4D97-AF65-F5344CB8AC3E}">
+        <p14:creationId xmlns:p14="http://schemas.microsoft.com/office/powerpoint/2010/main" val="4008839977"/>
+      </p:ext>
+    </p:extLst>
+  </p:cSld>
+  <p:clrMapOvr>
+    <a:masterClrMapping/>
+  </p:clrMapOvr>
+</p:sld>
+</file>
+
 <file path=ppt/slides/slide13.xml><?xml version="1.0" encoding="utf-8"?>
 <p:sld xmlns:a="http://schemas.openxmlformats.org/drawingml/2006/main" xmlns:r="http://schemas.openxmlformats.org/officeDocument/2006/relationships" xmlns:p="http://schemas.openxmlformats.org/presentationml/2006/main">
   <p:cSld>
@@ -4434,7 +4451,7 @@
           <p:cNvPr id="2" name="文字方塊 1">
             <a:extLst>
               <a:ext uri="{FF2B5EF4-FFF2-40B4-BE49-F238E27FC236}">
-                <a16:creationId xmlns:a16="http://schemas.microsoft.com/office/drawing/2014/main" id="{C370794C-F6CE-2647-B059-035111CA3FA2}"/>
+                <a16:creationId xmlns:a16="http://schemas.microsoft.com/office/drawing/2014/main" id="{A76D7DC3-EA9B-9148-AB1F-B88BDACE68C4}"/>
               </a:ext>
             </a:extLst>
           </p:cNvPr>
@@ -4443,8 +4460,8 @@
         </p:nvSpPr>
         <p:spPr>
           <a:xfrm>
-            <a:off x="486889" y="700644"/>
-            <a:ext cx="5279009" cy="707886"/>
+            <a:off x="5134037" y="2967335"/>
+            <a:ext cx="1923925" cy="923330"/>
           </a:xfrm>
           <a:prstGeom prst="rect">
             <a:avLst/>
@@ -4458,129 +4475,21 @@
           <a:lstStyle/>
           <a:p>
             <a:r>
-              <a:rPr kumimoji="1" lang="en-US" altLang="zh-TW" sz="4000" dirty="0">
+              <a:rPr kumimoji="1" lang="en-US" altLang="zh-TW" sz="5400" dirty="0">
                 <a:latin typeface="PT Sans" panose="020B0503020203020204" pitchFamily="34" charset="0"/>
               </a:rPr>
-              <a:t>Authentication Scheme</a:t>
-            </a:r>
-            <a:endParaRPr kumimoji="1" lang="zh-TW" altLang="en-US" sz="4000" dirty="0">
+              <a:t>Demo</a:t>
+            </a:r>
+            <a:endParaRPr kumimoji="1" lang="zh-TW" altLang="en-US" sz="5400" dirty="0">
               <a:latin typeface="PT Sans" panose="020B0503020203020204" pitchFamily="34" charset="0"/>
             </a:endParaRPr>
-          </a:p>
-        </p:txBody>
-      </p:sp>
-      <p:sp>
-        <p:nvSpPr>
-          <p:cNvPr id="4" name="文字方塊 3">
-            <a:extLst>
-              <a:ext uri="{FF2B5EF4-FFF2-40B4-BE49-F238E27FC236}">
-                <a16:creationId xmlns:a16="http://schemas.microsoft.com/office/drawing/2014/main" id="{2C0B2C38-B9E5-954E-89F6-819B37D8FE80}"/>
-              </a:ext>
-            </a:extLst>
-          </p:cNvPr>
-          <p:cNvSpPr txBox="1"/>
-          <p:nvPr/>
-        </p:nvSpPr>
-        <p:spPr>
-          <a:xfrm>
-            <a:off x="912420" y="1793174"/>
-            <a:ext cx="10416639" cy="3913059"/>
-          </a:xfrm>
-          <a:prstGeom prst="rect">
-            <a:avLst/>
-          </a:prstGeom>
-          <a:noFill/>
-        </p:spPr>
-        <p:txBody>
-          <a:bodyPr wrap="square" rtlCol="0">
-            <a:spAutoFit/>
-          </a:bodyPr>
-          <a:lstStyle/>
-          <a:p>
-            <a:pPr marL="285750" indent="-285750">
-              <a:lnSpc>
-                <a:spcPct val="150000"/>
-              </a:lnSpc>
-              <a:buFont typeface="Arial" panose="020B0604020202020204" pitchFamily="34" charset="0"/>
-              <a:buChar char="•"/>
-            </a:pPr>
-            <a:r>
-              <a:rPr kumimoji="1" lang="en-US" altLang="zh-TW" sz="2400" dirty="0"/>
-              <a:t>We use MAC for authentication</a:t>
-            </a:r>
-          </a:p>
-          <a:p>
-            <a:pPr marL="742950" lvl="1" indent="-285750">
-              <a:lnSpc>
-                <a:spcPct val="150000"/>
-              </a:lnSpc>
-              <a:buFont typeface="Arial" panose="020B0604020202020204" pitchFamily="34" charset="0"/>
-              <a:buChar char="•"/>
-            </a:pPr>
-            <a:r>
-              <a:rPr kumimoji="1" lang="en-US" altLang="zh-TW" sz="2400" dirty="0"/>
-              <a:t>The secret key can be pre-installed</a:t>
-            </a:r>
-          </a:p>
-          <a:p>
-            <a:pPr marL="742950" lvl="1" indent="-285750">
-              <a:lnSpc>
-                <a:spcPct val="150000"/>
-              </a:lnSpc>
-              <a:buFont typeface="Arial" panose="020B0604020202020204" pitchFamily="34" charset="0"/>
-              <a:buChar char="•"/>
-            </a:pPr>
-            <a:r>
-              <a:rPr kumimoji="1" lang="en-US" altLang="zh-TW" sz="2400" dirty="0"/>
-              <a:t>Only a single hash calculation is needed, very efficient</a:t>
-            </a:r>
-          </a:p>
-          <a:p>
-            <a:pPr marL="285750" indent="-285750">
-              <a:lnSpc>
-                <a:spcPct val="150000"/>
-              </a:lnSpc>
-              <a:buFont typeface="Arial" panose="020B0604020202020204" pitchFamily="34" charset="0"/>
-              <a:buChar char="•"/>
-            </a:pPr>
-            <a:r>
-              <a:rPr kumimoji="1" lang="en-US" altLang="zh-TW" sz="2400" dirty="0"/>
-              <a:t>Attacker cannot forge commands without secret key</a:t>
-            </a:r>
-          </a:p>
-          <a:p>
-            <a:pPr marL="742950" lvl="1" indent="-285750">
-              <a:lnSpc>
-                <a:spcPct val="150000"/>
-              </a:lnSpc>
-              <a:buFont typeface="Arial" panose="020B0604020202020204" pitchFamily="34" charset="0"/>
-              <a:buChar char="•"/>
-            </a:pPr>
-            <a:r>
-              <a:rPr kumimoji="1" lang="en-US" altLang="zh-TW" sz="2400" dirty="0"/>
-              <a:t>Timestamp should be included and checked in payload to avoid replay attack</a:t>
-            </a:r>
-          </a:p>
-          <a:p>
-            <a:pPr marL="285750" indent="-285750">
-              <a:lnSpc>
-                <a:spcPct val="150000"/>
-              </a:lnSpc>
-              <a:buFont typeface="Arial" panose="020B0604020202020204" pitchFamily="34" charset="0"/>
-              <a:buChar char="•"/>
-            </a:pPr>
-            <a:r>
-              <a:rPr kumimoji="1" lang="en-US" altLang="zh-TW" sz="2400" dirty="0"/>
-              <a:t>Unlike decryption, MAC verification can be delayed and separately handled, payload can be immediately forwarded to preserve availability</a:t>
-            </a:r>
-            <a:endParaRPr kumimoji="1" lang="en" altLang="zh-TW" sz="2400" dirty="0"/>
           </a:p>
         </p:txBody>
       </p:sp>
     </p:spTree>
     <p:extLst>
       <p:ext uri="{BB962C8B-B14F-4D97-AF65-F5344CB8AC3E}">
-        <p14:creationId xmlns:p14="http://schemas.microsoft.com/office/powerpoint/2010/main" val="4008839977"/>
+        <p14:creationId xmlns:p14="http://schemas.microsoft.com/office/powerpoint/2010/main" val="3109015299"/>
       </p:ext>
     </p:extLst>
   </p:cSld>
@@ -4612,76 +4521,6 @@
           <p:cNvPr id="2" name="文字方塊 1">
             <a:extLst>
               <a:ext uri="{FF2B5EF4-FFF2-40B4-BE49-F238E27FC236}">
-                <a16:creationId xmlns:a16="http://schemas.microsoft.com/office/drawing/2014/main" id="{A76D7DC3-EA9B-9148-AB1F-B88BDACE68C4}"/>
-              </a:ext>
-            </a:extLst>
-          </p:cNvPr>
-          <p:cNvSpPr txBox="1"/>
-          <p:nvPr/>
-        </p:nvSpPr>
-        <p:spPr>
-          <a:xfrm>
-            <a:off x="5134037" y="2967335"/>
-            <a:ext cx="1923925" cy="923330"/>
-          </a:xfrm>
-          <a:prstGeom prst="rect">
-            <a:avLst/>
-          </a:prstGeom>
-          <a:noFill/>
-        </p:spPr>
-        <p:txBody>
-          <a:bodyPr wrap="none" rtlCol="0">
-            <a:spAutoFit/>
-          </a:bodyPr>
-          <a:lstStyle/>
-          <a:p>
-            <a:r>
-              <a:rPr kumimoji="1" lang="en-US" altLang="zh-TW" sz="5400" dirty="0">
-                <a:latin typeface="PT Sans" panose="020B0503020203020204" pitchFamily="34" charset="0"/>
-              </a:rPr>
-              <a:t>Demo</a:t>
-            </a:r>
-            <a:endParaRPr kumimoji="1" lang="zh-TW" altLang="en-US" sz="5400" dirty="0">
-              <a:latin typeface="PT Sans" panose="020B0503020203020204" pitchFamily="34" charset="0"/>
-            </a:endParaRPr>
-          </a:p>
-        </p:txBody>
-      </p:sp>
-    </p:spTree>
-    <p:extLst>
-      <p:ext uri="{BB962C8B-B14F-4D97-AF65-F5344CB8AC3E}">
-        <p14:creationId xmlns:p14="http://schemas.microsoft.com/office/powerpoint/2010/main" val="3109015299"/>
-      </p:ext>
-    </p:extLst>
-  </p:cSld>
-  <p:clrMapOvr>
-    <a:masterClrMapping/>
-  </p:clrMapOvr>
-</p:sld>
-</file>
-
-<file path=ppt/slides/slide15.xml><?xml version="1.0" encoding="utf-8"?>
-<p:sld xmlns:a="http://schemas.openxmlformats.org/drawingml/2006/main" xmlns:r="http://schemas.openxmlformats.org/officeDocument/2006/relationships" xmlns:p="http://schemas.openxmlformats.org/presentationml/2006/main">
-  <p:cSld>
-    <p:spTree>
-      <p:nvGrpSpPr>
-        <p:cNvPr id="1" name=""/>
-        <p:cNvGrpSpPr/>
-        <p:nvPr/>
-      </p:nvGrpSpPr>
-      <p:grpSpPr>
-        <a:xfrm>
-          <a:off x="0" y="0"/>
-          <a:ext cx="0" cy="0"/>
-          <a:chOff x="0" y="0"/>
-          <a:chExt cx="0" cy="0"/>
-        </a:xfrm>
-      </p:grpSpPr>
-      <p:sp>
-        <p:nvSpPr>
-          <p:cNvPr id="2" name="文字方塊 1">
-            <a:extLst>
-              <a:ext uri="{FF2B5EF4-FFF2-40B4-BE49-F238E27FC236}">
                 <a16:creationId xmlns:a16="http://schemas.microsoft.com/office/drawing/2014/main" id="{C370794C-F6CE-2647-B059-035111CA3FA2}"/>
               </a:ext>
             </a:extLst>
@@ -4811,145 +4650,7 @@
 </p:sld>
 </file>
 
-<file path=ppt/slides/slide16.xml><?xml version="1.0" encoding="utf-8"?>
-<p:sld xmlns:a="http://schemas.openxmlformats.org/drawingml/2006/main" xmlns:r="http://schemas.openxmlformats.org/officeDocument/2006/relationships" xmlns:p="http://schemas.openxmlformats.org/presentationml/2006/main">
-  <p:cSld>
-    <p:spTree>
-      <p:nvGrpSpPr>
-        <p:cNvPr id="1" name=""/>
-        <p:cNvGrpSpPr/>
-        <p:nvPr/>
-      </p:nvGrpSpPr>
-      <p:grpSpPr>
-        <a:xfrm>
-          <a:off x="0" y="0"/>
-          <a:ext cx="0" cy="0"/>
-          <a:chOff x="0" y="0"/>
-          <a:chExt cx="0" cy="0"/>
-        </a:xfrm>
-      </p:grpSpPr>
-      <p:sp>
-        <p:nvSpPr>
-          <p:cNvPr id="2" name="文字方塊 1">
-            <a:extLst>
-              <a:ext uri="{FF2B5EF4-FFF2-40B4-BE49-F238E27FC236}">
-                <a16:creationId xmlns:a16="http://schemas.microsoft.com/office/drawing/2014/main" id="{C370794C-F6CE-2647-B059-035111CA3FA2}"/>
-              </a:ext>
-            </a:extLst>
-          </p:cNvPr>
-          <p:cNvSpPr txBox="1"/>
-          <p:nvPr/>
-        </p:nvSpPr>
-        <p:spPr>
-          <a:xfrm>
-            <a:off x="486889" y="700644"/>
-            <a:ext cx="3082895" cy="707886"/>
-          </a:xfrm>
-          <a:prstGeom prst="rect">
-            <a:avLst/>
-          </a:prstGeom>
-          <a:noFill/>
-        </p:spPr>
-        <p:txBody>
-          <a:bodyPr wrap="none" rtlCol="0">
-            <a:spAutoFit/>
-          </a:bodyPr>
-          <a:lstStyle/>
-          <a:p>
-            <a:r>
-              <a:rPr kumimoji="1" lang="en-US" altLang="zh-TW" sz="4000" dirty="0">
-                <a:latin typeface="PT Sans" panose="020B0503020203020204" pitchFamily="34" charset="0"/>
-              </a:rPr>
-              <a:t>Future Works</a:t>
-            </a:r>
-            <a:endParaRPr kumimoji="1" lang="zh-TW" altLang="en-US" sz="4000" dirty="0">
-              <a:latin typeface="PT Sans" panose="020B0503020203020204" pitchFamily="34" charset="0"/>
-            </a:endParaRPr>
-          </a:p>
-        </p:txBody>
-      </p:sp>
-      <p:sp>
-        <p:nvSpPr>
-          <p:cNvPr id="4" name="文字方塊 3">
-            <a:extLst>
-              <a:ext uri="{FF2B5EF4-FFF2-40B4-BE49-F238E27FC236}">
-                <a16:creationId xmlns:a16="http://schemas.microsoft.com/office/drawing/2014/main" id="{2C0B2C38-B9E5-954E-89F6-819B37D8FE80}"/>
-              </a:ext>
-            </a:extLst>
-          </p:cNvPr>
-          <p:cNvSpPr txBox="1"/>
-          <p:nvPr/>
-        </p:nvSpPr>
-        <p:spPr>
-          <a:xfrm>
-            <a:off x="912420" y="1793174"/>
-            <a:ext cx="10416639" cy="2251065"/>
-          </a:xfrm>
-          <a:prstGeom prst="rect">
-            <a:avLst/>
-          </a:prstGeom>
-          <a:noFill/>
-        </p:spPr>
-        <p:txBody>
-          <a:bodyPr wrap="square" rtlCol="0">
-            <a:spAutoFit/>
-          </a:bodyPr>
-          <a:lstStyle/>
-          <a:p>
-            <a:pPr marL="285750" indent="-285750">
-              <a:lnSpc>
-                <a:spcPct val="150000"/>
-              </a:lnSpc>
-              <a:buFont typeface="Arial" panose="020B0604020202020204" pitchFamily="34" charset="0"/>
-              <a:buChar char="•"/>
-            </a:pPr>
-            <a:r>
-              <a:rPr kumimoji="1" lang="en-US" altLang="zh-TW" sz="2400" dirty="0"/>
-              <a:t>Setup a more complete implementation</a:t>
-            </a:r>
-          </a:p>
-          <a:p>
-            <a:pPr marL="285750" indent="-285750">
-              <a:lnSpc>
-                <a:spcPct val="150000"/>
-              </a:lnSpc>
-              <a:buFont typeface="Arial" panose="020B0604020202020204" pitchFamily="34" charset="0"/>
-              <a:buChar char="•"/>
-            </a:pPr>
-            <a:r>
-              <a:rPr kumimoji="1" lang="en-US" altLang="zh-TW" sz="2400" dirty="0"/>
-              <a:t>Experiments to choose the most suitable parameters</a:t>
-            </a:r>
-          </a:p>
-          <a:p>
-            <a:pPr marL="285750" indent="-285750">
-              <a:lnSpc>
-                <a:spcPct val="150000"/>
-              </a:lnSpc>
-              <a:buFont typeface="Arial" panose="020B0604020202020204" pitchFamily="34" charset="0"/>
-              <a:buChar char="•"/>
-            </a:pPr>
-            <a:r>
-              <a:rPr kumimoji="1" lang="en-US" altLang="zh-TW" sz="2400" dirty="0"/>
-              <a:t>To know whether the proposed schemes are practical, they need to be tested in real ICS environment, or a good simulation of it </a:t>
-            </a:r>
-          </a:p>
-        </p:txBody>
-      </p:sp>
-    </p:spTree>
-    <p:extLst>
-      <p:ext uri="{BB962C8B-B14F-4D97-AF65-F5344CB8AC3E}">
-        <p14:creationId xmlns:p14="http://schemas.microsoft.com/office/powerpoint/2010/main" val="1632310598"/>
-      </p:ext>
-    </p:extLst>
-  </p:cSld>
-  <p:clrMapOvr>
-    <a:masterClrMapping/>
-  </p:clrMapOvr>
-</p:sld>
-</file>
-
-<file path=ppt/slides/slide17.xml><?xml version="1.0" encoding="utf-8"?>
+<file path=ppt/slides/slide15.xml><?xml version="1.0" encoding="utf-8"?>
 <p:sld xmlns:a="http://schemas.openxmlformats.org/drawingml/2006/main" xmlns:r="http://schemas.openxmlformats.org/officeDocument/2006/relationships" xmlns:p="http://schemas.openxmlformats.org/presentationml/2006/main">
   <p:cSld>
     <p:spTree>
@@ -5787,10 +5488,6 @@
               <a:rPr kumimoji="1" lang="en" altLang="zh-TW" sz="2400" dirty="0"/>
               <a:t>Concept borrowed from secure deployment</a:t>
             </a:r>
-            <a:br>
-              <a:rPr kumimoji="1" lang="en" altLang="zh-TW" sz="2400" dirty="0"/>
-            </a:br>
-            <a:endParaRPr kumimoji="1" lang="en" altLang="zh-TW" sz="2400" dirty="0"/>
           </a:p>
           <a:p>
             <a:pPr marL="285750" indent="-285750">
@@ -5800,9 +5497,19 @@
               <a:buFont typeface="Arial" panose="020B0604020202020204" pitchFamily="34" charset="0"/>
               <a:buChar char="•"/>
             </a:pPr>
+            <a:endParaRPr kumimoji="1" lang="en" altLang="zh-TW" sz="2400" dirty="0"/>
+          </a:p>
+          <a:p>
+            <a:pPr marL="285750" indent="-285750">
+              <a:lnSpc>
+                <a:spcPct val="150000"/>
+              </a:lnSpc>
+              <a:buFont typeface="Arial" panose="020B0604020202020204" pitchFamily="34" charset="0"/>
+              <a:buChar char="•"/>
+            </a:pPr>
             <a:r>
               <a:rPr kumimoji="1" lang="en" altLang="zh-TW" sz="2400" dirty="0"/>
-              <a:t>A user needs a access token with enough privilege level to perform each action</a:t>
+              <a:t>Token-granting server need to be very secure</a:t>
             </a:r>
           </a:p>
           <a:p>
@@ -5815,33 +5522,16 @@
             </a:pPr>
             <a:r>
               <a:rPr kumimoji="1" lang="en" altLang="zh-TW" sz="2400" dirty="0"/>
-              <a:t>Solution of </a:t>
-            </a:r>
-            <a:r>
-              <a:rPr kumimoji="1" lang="en" altLang="zh-TW" sz="2400" b="1" dirty="0"/>
-              <a:t>who</a:t>
-            </a:r>
-            <a:r>
-              <a:rPr kumimoji="1" lang="en" altLang="zh-TW" sz="2400" dirty="0"/>
-              <a:t> can do </a:t>
-            </a:r>
-            <a:r>
-              <a:rPr kumimoji="1" lang="en" altLang="zh-TW" sz="2400" b="1" dirty="0"/>
-              <a:t>what</a:t>
-            </a:r>
-          </a:p>
-          <a:p>
-            <a:pPr marL="742950" lvl="1" indent="-285750">
+              <a:t>It is assumed trustworthy for the scheme to work</a:t>
+            </a:r>
+          </a:p>
+          <a:p>
+            <a:pPr>
               <a:lnSpc>
                 <a:spcPct val="150000"/>
               </a:lnSpc>
-              <a:buFont typeface="Arial" panose="020B0604020202020204" pitchFamily="34" charset="0"/>
-              <a:buChar char="•"/>
             </a:pPr>
-            <a:r>
-              <a:rPr kumimoji="1" lang="en" altLang="zh-TW" sz="2400" dirty="0"/>
-              <a:t>HMI checks the token</a:t>
-            </a:r>
+            <a:endParaRPr kumimoji="1" lang="en" altLang="zh-TW" sz="2400" dirty="0"/>
           </a:p>
         </p:txBody>
       </p:sp>
@@ -5890,7 +5580,7 @@
         <p:spPr>
           <a:xfrm>
             <a:off x="486889" y="700644"/>
-            <a:ext cx="5258171" cy="707886"/>
+            <a:ext cx="8172109" cy="707886"/>
           </a:xfrm>
           <a:prstGeom prst="rect">
             <a:avLst/>
@@ -5907,7 +5597,7 @@
               <a:rPr kumimoji="1" lang="en-US" altLang="zh-TW" sz="4000" dirty="0">
                 <a:latin typeface="PT Sans" panose="020B0503020203020204" pitchFamily="34" charset="0"/>
               </a:rPr>
-              <a:t>Access Control Scheme</a:t>
+              <a:t>Access Control Scheme - Advantages</a:t>
             </a:r>
             <a:endParaRPr kumimoji="1" lang="zh-TW" altLang="en-US" sz="4000" dirty="0">
               <a:latin typeface="PT Sans" panose="020B0503020203020204" pitchFamily="34" charset="0"/>
@@ -5930,7 +5620,7 @@
         <p:spPr>
           <a:xfrm>
             <a:off x="912421" y="1793174"/>
-            <a:ext cx="10367158" cy="4467057"/>
+            <a:ext cx="10367158" cy="3359061"/>
           </a:xfrm>
           <a:prstGeom prst="rect">
             <a:avLst/>
@@ -5952,7 +5642,7 @@
             </a:pPr>
             <a:r>
               <a:rPr kumimoji="1" lang="en" altLang="zh-TW" sz="2400" dirty="0"/>
-              <a:t>Request access tokens from a central token-granting server periodically</a:t>
+              <a:t>Attacker can’t directly tell HMI what to do even if he can access it</a:t>
             </a:r>
           </a:p>
           <a:p>
@@ -5965,7 +5655,24 @@
             </a:pPr>
             <a:r>
               <a:rPr kumimoji="1" lang="en" altLang="zh-TW" sz="2400" dirty="0"/>
-              <a:t>Token expires after a period of time</a:t>
+              <a:t>If HMI is not compromised</a:t>
+            </a:r>
+            <a:br>
+              <a:rPr kumimoji="1" lang="en" altLang="zh-TW" sz="2400" dirty="0"/>
+            </a:br>
+            <a:endParaRPr kumimoji="1" lang="en" altLang="zh-TW" sz="2400" dirty="0"/>
+          </a:p>
+          <a:p>
+            <a:pPr marL="285750" indent="-285750">
+              <a:lnSpc>
+                <a:spcPct val="150000"/>
+              </a:lnSpc>
+              <a:buFont typeface="Arial" panose="020B0604020202020204" pitchFamily="34" charset="0"/>
+              <a:buChar char="•"/>
+            </a:pPr>
+            <a:r>
+              <a:rPr kumimoji="1" lang="en" altLang="zh-TW" sz="2400" dirty="0"/>
+              <a:t>Misbehavior of low-privileged employee won’t lead to severe attack</a:t>
             </a:r>
           </a:p>
           <a:p>
@@ -5978,54 +5685,7 @@
             </a:pPr>
             <a:r>
               <a:rPr kumimoji="1" lang="en" altLang="zh-TW" sz="2400" dirty="0"/>
-              <a:t>Need to authenticate to the server (e.g. TLS certificate)</a:t>
-            </a:r>
-            <a:br>
-              <a:rPr kumimoji="1" lang="en" altLang="zh-TW" sz="2400" dirty="0"/>
-            </a:br>
-            <a:endParaRPr kumimoji="1" lang="en" altLang="zh-TW" sz="2400" dirty="0"/>
-          </a:p>
-          <a:p>
-            <a:pPr marL="285750" indent="-285750">
-              <a:lnSpc>
-                <a:spcPct val="150000"/>
-              </a:lnSpc>
-              <a:buFont typeface="Arial" panose="020B0604020202020204" pitchFamily="34" charset="0"/>
-              <a:buChar char="•"/>
-            </a:pPr>
-            <a:r>
-              <a:rPr kumimoji="1" lang="en" altLang="zh-TW" sz="2400" dirty="0"/>
-              <a:t>Token-granting server periodically sends update message to HMI</a:t>
-            </a:r>
-            <a:br>
-              <a:rPr kumimoji="1" lang="en" altLang="zh-TW" sz="2400" dirty="0"/>
-            </a:br>
-            <a:endParaRPr kumimoji="1" lang="en" altLang="zh-TW" sz="2400" dirty="0"/>
-          </a:p>
-          <a:p>
-            <a:pPr marL="285750" indent="-285750">
-              <a:lnSpc>
-                <a:spcPct val="150000"/>
-              </a:lnSpc>
-              <a:buFont typeface="Arial" panose="020B0604020202020204" pitchFamily="34" charset="0"/>
-              <a:buChar char="•"/>
-            </a:pPr>
-            <a:r>
-              <a:rPr kumimoji="1" lang="en" altLang="zh-TW" sz="2400" dirty="0"/>
-              <a:t>Token-granting server need to be very secure</a:t>
-            </a:r>
-          </a:p>
-          <a:p>
-            <a:pPr marL="742950" lvl="1" indent="-285750">
-              <a:lnSpc>
-                <a:spcPct val="150000"/>
-              </a:lnSpc>
-              <a:buFont typeface="Arial" panose="020B0604020202020204" pitchFamily="34" charset="0"/>
-              <a:buChar char="•"/>
-            </a:pPr>
-            <a:r>
-              <a:rPr kumimoji="1" lang="en" altLang="zh-TW" sz="2400" dirty="0"/>
-              <a:t>It is assumed trustworthy for the scheme to work</a:t>
+              <a:t>Secret leakage of a employee who can only control the fan won’t lead to attacker shutting down the factory’s power</a:t>
             </a:r>
           </a:p>
         </p:txBody>
@@ -6033,7 +5693,7 @@
     </p:spTree>
     <p:extLst>
       <p:ext uri="{BB962C8B-B14F-4D97-AF65-F5344CB8AC3E}">
-        <p14:creationId xmlns:p14="http://schemas.microsoft.com/office/powerpoint/2010/main" val="1064770466"/>
+        <p14:creationId xmlns:p14="http://schemas.microsoft.com/office/powerpoint/2010/main" val="2220774111"/>
       </p:ext>
     </p:extLst>
   </p:cSld>
@@ -6115,7 +5775,7 @@
         <p:spPr>
           <a:xfrm>
             <a:off x="912421" y="1793174"/>
-            <a:ext cx="10367158" cy="3359061"/>
+            <a:ext cx="10367158" cy="3913059"/>
           </a:xfrm>
           <a:prstGeom prst="rect">
             <a:avLst/>
@@ -6137,7 +5797,7 @@
             </a:pPr>
             <a:r>
               <a:rPr kumimoji="1" lang="en" altLang="zh-TW" sz="2400" dirty="0"/>
-              <a:t>Attacker can’t directly tell HMI what to do even if he can access it</a:t>
+              <a:t>Persistent attack is harder</a:t>
             </a:r>
           </a:p>
           <a:p>
@@ -6150,7 +5810,7 @@
             </a:pPr>
             <a:r>
               <a:rPr kumimoji="1" lang="en" altLang="zh-TW" sz="2400" dirty="0"/>
-              <a:t>If HMI is not compromised</a:t>
+              <a:t>Tokens expire after a period of time</a:t>
             </a:r>
             <a:br>
               <a:rPr kumimoji="1" lang="en" altLang="zh-TW" sz="2400" dirty="0"/>
@@ -6167,11 +5827,15 @@
             </a:pPr>
             <a:r>
               <a:rPr kumimoji="1" lang="en" altLang="zh-TW" sz="2400" dirty="0"/>
-              <a:t>Misbehavior of low-privileged employee won’t lead to severe attack</a:t>
-            </a:r>
-          </a:p>
-          <a:p>
-            <a:pPr marL="742950" lvl="1" indent="-285750">
+              <a:t>Incidents are more accountable</a:t>
+            </a:r>
+            <a:br>
+              <a:rPr kumimoji="1" lang="en" altLang="zh-TW" sz="2400" dirty="0"/>
+            </a:br>
+            <a:endParaRPr kumimoji="1" lang="en" altLang="zh-TW" sz="2400" dirty="0"/>
+          </a:p>
+          <a:p>
+            <a:pPr marL="285750" indent="-285750">
               <a:lnSpc>
                 <a:spcPct val="150000"/>
               </a:lnSpc>
@@ -6180,7 +5844,7 @@
             </a:pPr>
             <a:r>
               <a:rPr kumimoji="1" lang="en" altLang="zh-TW" sz="2400" dirty="0"/>
-              <a:t>Secret leakage of a employee who can only control the fan won’t lead to attacker shutting down the factory’s power</a:t>
+              <a:t>Little delay, since users can request their new tokens prior to the token refresh time </a:t>
             </a:r>
           </a:p>
         </p:txBody>
@@ -6188,7 +5852,7 @@
     </p:spTree>
     <p:extLst>
       <p:ext uri="{BB962C8B-B14F-4D97-AF65-F5344CB8AC3E}">
-        <p14:creationId xmlns:p14="http://schemas.microsoft.com/office/powerpoint/2010/main" val="2220774111"/>
+        <p14:creationId xmlns:p14="http://schemas.microsoft.com/office/powerpoint/2010/main" val="2975106708"/>
       </p:ext>
     </p:extLst>
   </p:cSld>

--- a/presentation.pptx
+++ b/presentation.pptx
@@ -3955,6 +3955,54 @@
           </a:p>
         </p:txBody>
       </p:sp>
+      <p:sp>
+        <p:nvSpPr>
+          <p:cNvPr id="3" name="文字方塊 2">
+            <a:extLst>
+              <a:ext uri="{FF2B5EF4-FFF2-40B4-BE49-F238E27FC236}">
+                <a16:creationId xmlns:a16="http://schemas.microsoft.com/office/drawing/2014/main" id="{D7ED8970-8F05-4B22-B2F5-CFE549DF4EF9}"/>
+              </a:ext>
+            </a:extLst>
+          </p:cNvPr>
+          <p:cNvSpPr txBox="1"/>
+          <p:nvPr/>
+        </p:nvSpPr>
+        <p:spPr>
+          <a:xfrm>
+            <a:off x="584956" y="3129941"/>
+            <a:ext cx="5613504" cy="369332"/>
+          </a:xfrm>
+          <a:prstGeom prst="rect">
+            <a:avLst/>
+          </a:prstGeom>
+          <a:noFill/>
+        </p:spPr>
+        <p:txBody>
+          <a:bodyPr wrap="square" rtlCol="0">
+            <a:spAutoFit/>
+          </a:bodyPr>
+          <a:lstStyle/>
+          <a:p>
+            <a:r>
+              <a:rPr lang="zh-TW" altLang="en-US" dirty="0">
+                <a:solidFill>
+                  <a:schemeClr val="bg1"/>
+                </a:solidFill>
+                <a:latin typeface="Noto Sans CJK TC Regular" panose="020B0500000000000000" pitchFamily="34" charset="-128"/>
+                <a:ea typeface="Noto Sans CJK TC Regular" panose="020B0500000000000000" pitchFamily="34" charset="-128"/>
+              </a:rPr>
+              <a:t>基礎設施安全 第六組</a:t>
+            </a:r>
+            <a:endParaRPr lang="en-US" altLang="zh-TW" dirty="0">
+              <a:solidFill>
+                <a:schemeClr val="bg1"/>
+              </a:solidFill>
+              <a:latin typeface="Noto Sans CJK TC Regular" panose="020B0500000000000000" pitchFamily="34" charset="-128"/>
+              <a:ea typeface="Noto Sans CJK TC Regular" panose="020B0500000000000000" pitchFamily="34" charset="-128"/>
+            </a:endParaRPr>
+          </a:p>
+        </p:txBody>
+      </p:sp>
     </p:spTree>
     <p:extLst>
       <p:ext uri="{BB962C8B-B14F-4D97-AF65-F5344CB8AC3E}">
